--- a/Object-Oriented Programming with CPP/13.2 Stack, Queue in C++ STL.pptx
+++ b/Object-Oriented Programming with CPP/13.2 Stack, Queue in C++ STL.pptx
@@ -12,7 +12,8 @@
     <p:sldId id="269" r:id="rId6"/>
     <p:sldId id="273" r:id="rId7"/>
     <p:sldId id="266" r:id="rId8"/>
-    <p:sldId id="262" r:id="rId9"/>
+    <p:sldId id="274" r:id="rId9"/>
+    <p:sldId id="262" r:id="rId10"/>
   </p:sldIdLst>
   <p:sldSz cx="12192000" cy="6858000"/>
   <p:notesSz cx="6858000" cy="9144000"/>
@@ -248,7 +249,7 @@
           <a:p>
             <a:fld id="{EEE2597E-5B9C-4223-A3DC-E2371CBFDE86}" type="datetimeFigureOut">
               <a:rPr lang="en-US" smtClean="0"/>
-              <a:t>5/11/2022</a:t>
+              <a:t>12/29/2022</a:t>
             </a:fld>
             <a:endParaRPr lang="en-US"/>
           </a:p>
@@ -416,7 +417,7 @@
           <a:p>
             <a:fld id="{EEE2597E-5B9C-4223-A3DC-E2371CBFDE86}" type="datetimeFigureOut">
               <a:rPr lang="en-US" smtClean="0"/>
-              <a:t>5/11/2022</a:t>
+              <a:t>12/29/2022</a:t>
             </a:fld>
             <a:endParaRPr lang="en-US"/>
           </a:p>
@@ -594,7 +595,7 @@
           <a:p>
             <a:fld id="{EEE2597E-5B9C-4223-A3DC-E2371CBFDE86}" type="datetimeFigureOut">
               <a:rPr lang="en-US" smtClean="0"/>
-              <a:t>5/11/2022</a:t>
+              <a:t>12/29/2022</a:t>
             </a:fld>
             <a:endParaRPr lang="en-US"/>
           </a:p>
@@ -762,7 +763,7 @@
           <a:p>
             <a:fld id="{EEE2597E-5B9C-4223-A3DC-E2371CBFDE86}" type="datetimeFigureOut">
               <a:rPr lang="en-US" smtClean="0"/>
-              <a:t>5/11/2022</a:t>
+              <a:t>12/29/2022</a:t>
             </a:fld>
             <a:endParaRPr lang="en-US"/>
           </a:p>
@@ -1007,7 +1008,7 @@
           <a:p>
             <a:fld id="{EEE2597E-5B9C-4223-A3DC-E2371CBFDE86}" type="datetimeFigureOut">
               <a:rPr lang="en-US" smtClean="0"/>
-              <a:t>5/11/2022</a:t>
+              <a:t>12/29/2022</a:t>
             </a:fld>
             <a:endParaRPr lang="en-US"/>
           </a:p>
@@ -1236,7 +1237,7 @@
           <a:p>
             <a:fld id="{EEE2597E-5B9C-4223-A3DC-E2371CBFDE86}" type="datetimeFigureOut">
               <a:rPr lang="en-US" smtClean="0"/>
-              <a:t>5/11/2022</a:t>
+              <a:t>12/29/2022</a:t>
             </a:fld>
             <a:endParaRPr lang="en-US"/>
           </a:p>
@@ -1600,7 +1601,7 @@
           <a:p>
             <a:fld id="{EEE2597E-5B9C-4223-A3DC-E2371CBFDE86}" type="datetimeFigureOut">
               <a:rPr lang="en-US" smtClean="0"/>
-              <a:t>5/11/2022</a:t>
+              <a:t>12/29/2022</a:t>
             </a:fld>
             <a:endParaRPr lang="en-US"/>
           </a:p>
@@ -1717,7 +1718,7 @@
           <a:p>
             <a:fld id="{EEE2597E-5B9C-4223-A3DC-E2371CBFDE86}" type="datetimeFigureOut">
               <a:rPr lang="en-US" smtClean="0"/>
-              <a:t>5/11/2022</a:t>
+              <a:t>12/29/2022</a:t>
             </a:fld>
             <a:endParaRPr lang="en-US"/>
           </a:p>
@@ -1812,7 +1813,7 @@
           <a:p>
             <a:fld id="{EEE2597E-5B9C-4223-A3DC-E2371CBFDE86}" type="datetimeFigureOut">
               <a:rPr lang="en-US" smtClean="0"/>
-              <a:t>5/11/2022</a:t>
+              <a:t>12/29/2022</a:t>
             </a:fld>
             <a:endParaRPr lang="en-US"/>
           </a:p>
@@ -2087,7 +2088,7 @@
           <a:p>
             <a:fld id="{EEE2597E-5B9C-4223-A3DC-E2371CBFDE86}" type="datetimeFigureOut">
               <a:rPr lang="en-US" smtClean="0"/>
-              <a:t>5/11/2022</a:t>
+              <a:t>12/29/2022</a:t>
             </a:fld>
             <a:endParaRPr lang="en-US"/>
           </a:p>
@@ -2339,7 +2340,7 @@
           <a:p>
             <a:fld id="{EEE2597E-5B9C-4223-A3DC-E2371CBFDE86}" type="datetimeFigureOut">
               <a:rPr lang="en-US" smtClean="0"/>
-              <a:t>5/11/2022</a:t>
+              <a:t>12/29/2022</a:t>
             </a:fld>
             <a:endParaRPr lang="en-US"/>
           </a:p>
@@ -2559,7 +2560,7 @@
           <a:p>
             <a:fld id="{EEE2597E-5B9C-4223-A3DC-E2371CBFDE86}" type="datetimeFigureOut">
               <a:rPr lang="en-US" smtClean="0"/>
-              <a:t>5/11/2022</a:t>
+              <a:t>12/29/2022</a:t>
             </a:fld>
             <a:endParaRPr lang="en-US"/>
           </a:p>
@@ -3956,6 +3957,174 @@
             <p:ph type="title"/>
           </p:nvPr>
         </p:nvSpPr>
+        <p:spPr/>
+        <p:txBody>
+          <a:bodyPr>
+            <a:normAutofit/>
+          </a:bodyPr>
+          <a:lstStyle/>
+          <a:p>
+            <a:pPr algn="ctr"/>
+            <a:r>
+              <a:rPr lang="en-US" sz="3600" b="1" dirty="0" err="1">
+                <a:solidFill>
+                  <a:srgbClr val="002060"/>
+                </a:solidFill>
+                <a:latin typeface="Times New Roman" panose="02020603050405020304" pitchFamily="18" charset="0"/>
+                <a:cs typeface="Times New Roman" panose="02020603050405020304" pitchFamily="18" charset="0"/>
+              </a:rPr>
+              <a:t>HomeWork</a:t>
+            </a:r>
+            <a:endParaRPr lang="en-US" sz="3600" b="1" dirty="0">
+              <a:solidFill>
+                <a:srgbClr val="002060"/>
+              </a:solidFill>
+              <a:latin typeface="Times New Roman" panose="02020603050405020304" pitchFamily="18" charset="0"/>
+              <a:cs typeface="Times New Roman" panose="02020603050405020304" pitchFamily="18" charset="0"/>
+            </a:endParaRPr>
+          </a:p>
+        </p:txBody>
+      </p:sp>
+      <p:sp>
+        <p:nvSpPr>
+          <p:cNvPr id="3" name="Content Placeholder 2"/>
+          <p:cNvSpPr>
+            <a:spLocks noGrp="1"/>
+          </p:cNvSpPr>
+          <p:nvPr>
+            <p:ph idx="1"/>
+          </p:nvPr>
+        </p:nvSpPr>
+        <p:spPr/>
+        <p:txBody>
+          <a:bodyPr>
+            <a:normAutofit/>
+          </a:bodyPr>
+          <a:lstStyle/>
+          <a:p>
+            <a:pPr marL="0" indent="0" algn="just">
+              <a:buClr>
+                <a:srgbClr val="002060"/>
+              </a:buClr>
+              <a:buNone/>
+            </a:pPr>
+            <a:r>
+              <a:rPr lang="en-US" sz="2400" dirty="0">
+                <a:solidFill>
+                  <a:srgbClr val="002060"/>
+                </a:solidFill>
+                <a:latin typeface="Times New Roman" panose="02020603050405020304" pitchFamily="18" charset="0"/>
+                <a:cs typeface="Times New Roman" panose="02020603050405020304" pitchFamily="18" charset="0"/>
+              </a:rPr>
+              <a:t>Write a C++ program to store 10, 20, 30, 50, 60 into a queue "q1" 100, 200, 300, 400, 500, 600 into another queue "q2" and performing the following operation:</a:t>
+            </a:r>
+          </a:p>
+          <a:p>
+            <a:pPr marL="0" indent="0" algn="just">
+              <a:buClr>
+                <a:srgbClr val="002060"/>
+              </a:buClr>
+              <a:buNone/>
+            </a:pPr>
+            <a:r>
+              <a:rPr lang="en-US" sz="2400" dirty="0" err="1">
+                <a:solidFill>
+                  <a:srgbClr val="002060"/>
+                </a:solidFill>
+                <a:latin typeface="Times New Roman" panose="02020603050405020304" pitchFamily="18" charset="0"/>
+                <a:cs typeface="Times New Roman" panose="02020603050405020304" pitchFamily="18" charset="0"/>
+              </a:rPr>
+              <a:t>i</a:t>
+            </a:r>
+            <a:r>
+              <a:rPr lang="en-US" sz="2400" dirty="0">
+                <a:solidFill>
+                  <a:srgbClr val="002060"/>
+                </a:solidFill>
+                <a:latin typeface="Times New Roman" panose="02020603050405020304" pitchFamily="18" charset="0"/>
+                <a:cs typeface="Times New Roman" panose="02020603050405020304" pitchFamily="18" charset="0"/>
+              </a:rPr>
+              <a:t>. add the first value of q1 and the last value of q2</a:t>
+            </a:r>
+          </a:p>
+          <a:p>
+            <a:pPr marL="0" indent="0" algn="just">
+              <a:buClr>
+                <a:srgbClr val="002060"/>
+              </a:buClr>
+              <a:buNone/>
+            </a:pPr>
+            <a:r>
+              <a:rPr lang="en-US" sz="2400" dirty="0">
+                <a:solidFill>
+                  <a:srgbClr val="002060"/>
+                </a:solidFill>
+                <a:latin typeface="Times New Roman" panose="02020603050405020304" pitchFamily="18" charset="0"/>
+                <a:cs typeface="Times New Roman" panose="02020603050405020304" pitchFamily="18" charset="0"/>
+              </a:rPr>
+              <a:t>ii. exchange the contents of q1 and q2</a:t>
+            </a:r>
+          </a:p>
+          <a:p>
+            <a:pPr marL="0" indent="0" algn="just">
+              <a:buClr>
+                <a:srgbClr val="002060"/>
+              </a:buClr>
+              <a:buNone/>
+            </a:pPr>
+            <a:r>
+              <a:rPr lang="en-US" sz="2400" dirty="0">
+                <a:solidFill>
+                  <a:srgbClr val="002060"/>
+                </a:solidFill>
+                <a:latin typeface="Times New Roman" panose="02020603050405020304" pitchFamily="18" charset="0"/>
+                <a:cs typeface="Times New Roman" panose="02020603050405020304" pitchFamily="18" charset="0"/>
+              </a:rPr>
+              <a:t>iii. remove the elements of the same position from q1 and q2</a:t>
+            </a:r>
+          </a:p>
+        </p:txBody>
+      </p:sp>
+    </p:spTree>
+    <p:extLst>
+      <p:ext uri="{BB962C8B-B14F-4D97-AF65-F5344CB8AC3E}">
+        <p14:creationId xmlns:p14="http://schemas.microsoft.com/office/powerpoint/2010/main" val="1027303855"/>
+      </p:ext>
+    </p:extLst>
+  </p:cSld>
+  <p:clrMapOvr>
+    <a:masterClrMapping/>
+  </p:clrMapOvr>
+</p:sld>
+</file>
+
+<file path=ppt/slides/slide9.xml><?xml version="1.0" encoding="utf-8"?>
+<p:sld xmlns:a="http://schemas.openxmlformats.org/drawingml/2006/main" xmlns:r="http://schemas.openxmlformats.org/officeDocument/2006/relationships" xmlns:p="http://schemas.openxmlformats.org/presentationml/2006/main">
+  <p:cSld>
+    <p:spTree>
+      <p:nvGrpSpPr>
+        <p:cNvPr id="1" name=""/>
+        <p:cNvGrpSpPr/>
+        <p:nvPr/>
+      </p:nvGrpSpPr>
+      <p:grpSpPr>
+        <a:xfrm>
+          <a:off x="0" y="0"/>
+          <a:ext cx="0" cy="0"/>
+          <a:chOff x="0" y="0"/>
+          <a:chExt cx="0" cy="0"/>
+        </a:xfrm>
+      </p:grpSpPr>
+      <p:sp>
+        <p:nvSpPr>
+          <p:cNvPr id="2" name="Title 1"/>
+          <p:cNvSpPr>
+            <a:spLocks noGrp="1"/>
+          </p:cNvSpPr>
+          <p:nvPr>
+            <p:ph type="title"/>
+          </p:nvPr>
+        </p:nvSpPr>
         <p:spPr>
           <a:xfrm>
             <a:off x="1050234" y="2883038"/>
